--- a/slide-t3h/Webservices.pptx
+++ b/slide-t3h/Webservices.pptx
@@ -15,8 +15,19 @@
     <p:sldId id="266" r:id="rId9"/>
     <p:sldId id="257" r:id="rId10"/>
     <p:sldId id="268" r:id="rId11"/>
-    <p:sldId id="260" r:id="rId12"/>
-    <p:sldId id="259" r:id="rId13"/>
+    <p:sldId id="270" r:id="rId12"/>
+    <p:sldId id="272" r:id="rId13"/>
+    <p:sldId id="271" r:id="rId14"/>
+    <p:sldId id="260" r:id="rId15"/>
+    <p:sldId id="269" r:id="rId16"/>
+    <p:sldId id="259" r:id="rId17"/>
+    <p:sldId id="275" r:id="rId18"/>
+    <p:sldId id="276" r:id="rId19"/>
+    <p:sldId id="277" r:id="rId20"/>
+    <p:sldId id="278" r:id="rId21"/>
+    <p:sldId id="279" r:id="rId22"/>
+    <p:sldId id="273" r:id="rId23"/>
+    <p:sldId id="274" r:id="rId24"/>
   </p:sldIdLst>
   <p:sldSz cx="12192000" cy="6858000"/>
   <p:notesSz cx="6858000" cy="9144000"/>
@@ -115,6 +126,11 @@
       </a:defRPr>
     </a:lvl9pPr>
   </p:defaultTextStyle>
+  <p:extLst>
+    <p:ext uri="{EFAFB233-063F-42B5-8137-9DF3F51BA10A}">
+      <p15:sldGuideLst xmlns:p15="http://schemas.microsoft.com/office/powerpoint/2012/main"/>
+    </p:ext>
+  </p:extLst>
 </p:presentation>
 </file>
 
@@ -249,7 +265,7 @@
           <a:p>
             <a:fld id="{E555B4AA-524D-4050-BBBF-87D9525FB057}" type="datetimeFigureOut">
               <a:rPr lang="en-US" smtClean="0"/>
-              <a:t>8/12/2019</a:t>
+              <a:t>8/13/2019</a:t>
             </a:fld>
             <a:endParaRPr lang="en-US"/>
           </a:p>
@@ -419,7 +435,7 @@
           <a:p>
             <a:fld id="{E555B4AA-524D-4050-BBBF-87D9525FB057}" type="datetimeFigureOut">
               <a:rPr lang="en-US" smtClean="0"/>
-              <a:t>8/12/2019</a:t>
+              <a:t>8/13/2019</a:t>
             </a:fld>
             <a:endParaRPr lang="en-US"/>
           </a:p>
@@ -599,7 +615,7 @@
           <a:p>
             <a:fld id="{E555B4AA-524D-4050-BBBF-87D9525FB057}" type="datetimeFigureOut">
               <a:rPr lang="en-US" smtClean="0"/>
-              <a:t>8/12/2019</a:t>
+              <a:t>8/13/2019</a:t>
             </a:fld>
             <a:endParaRPr lang="en-US"/>
           </a:p>
@@ -769,7 +785,7 @@
           <a:p>
             <a:fld id="{E555B4AA-524D-4050-BBBF-87D9525FB057}" type="datetimeFigureOut">
               <a:rPr lang="en-US" smtClean="0"/>
-              <a:t>8/12/2019</a:t>
+              <a:t>8/13/2019</a:t>
             </a:fld>
             <a:endParaRPr lang="en-US"/>
           </a:p>
@@ -1015,7 +1031,7 @@
           <a:p>
             <a:fld id="{E555B4AA-524D-4050-BBBF-87D9525FB057}" type="datetimeFigureOut">
               <a:rPr lang="en-US" smtClean="0"/>
-              <a:t>8/12/2019</a:t>
+              <a:t>8/13/2019</a:t>
             </a:fld>
             <a:endParaRPr lang="en-US"/>
           </a:p>
@@ -1247,7 +1263,7 @@
           <a:p>
             <a:fld id="{E555B4AA-524D-4050-BBBF-87D9525FB057}" type="datetimeFigureOut">
               <a:rPr lang="en-US" smtClean="0"/>
-              <a:t>8/12/2019</a:t>
+              <a:t>8/13/2019</a:t>
             </a:fld>
             <a:endParaRPr lang="en-US"/>
           </a:p>
@@ -1614,7 +1630,7 @@
           <a:p>
             <a:fld id="{E555B4AA-524D-4050-BBBF-87D9525FB057}" type="datetimeFigureOut">
               <a:rPr lang="en-US" smtClean="0"/>
-              <a:t>8/12/2019</a:t>
+              <a:t>8/13/2019</a:t>
             </a:fld>
             <a:endParaRPr lang="en-US"/>
           </a:p>
@@ -1732,7 +1748,7 @@
           <a:p>
             <a:fld id="{E555B4AA-524D-4050-BBBF-87D9525FB057}" type="datetimeFigureOut">
               <a:rPr lang="en-US" smtClean="0"/>
-              <a:t>8/12/2019</a:t>
+              <a:t>8/13/2019</a:t>
             </a:fld>
             <a:endParaRPr lang="en-US"/>
           </a:p>
@@ -1827,7 +1843,7 @@
           <a:p>
             <a:fld id="{E555B4AA-524D-4050-BBBF-87D9525FB057}" type="datetimeFigureOut">
               <a:rPr lang="en-US" smtClean="0"/>
-              <a:t>8/12/2019</a:t>
+              <a:t>8/13/2019</a:t>
             </a:fld>
             <a:endParaRPr lang="en-US"/>
           </a:p>
@@ -2104,7 +2120,7 @@
           <a:p>
             <a:fld id="{E555B4AA-524D-4050-BBBF-87D9525FB057}" type="datetimeFigureOut">
               <a:rPr lang="en-US" smtClean="0"/>
-              <a:t>8/12/2019</a:t>
+              <a:t>8/13/2019</a:t>
             </a:fld>
             <a:endParaRPr lang="en-US"/>
           </a:p>
@@ -2357,7 +2373,7 @@
           <a:p>
             <a:fld id="{E555B4AA-524D-4050-BBBF-87D9525FB057}" type="datetimeFigureOut">
               <a:rPr lang="en-US" smtClean="0"/>
-              <a:t>8/12/2019</a:t>
+              <a:t>8/13/2019</a:t>
             </a:fld>
             <a:endParaRPr lang="en-US"/>
           </a:p>
@@ -2570,7 +2586,7 @@
           <a:p>
             <a:fld id="{E555B4AA-524D-4050-BBBF-87D9525FB057}" type="datetimeFigureOut">
               <a:rPr lang="en-US" smtClean="0"/>
-              <a:t>8/12/2019</a:t>
+              <a:t>8/13/2019</a:t>
             </a:fld>
             <a:endParaRPr lang="en-US"/>
           </a:p>
@@ -3043,25 +3059,6 @@
           <a:chExt cx="0" cy="0"/>
         </a:xfrm>
       </p:grpSpPr>
-      <p:sp>
-        <p:nvSpPr>
-          <p:cNvPr id="2" name="Title 1"/>
-          <p:cNvSpPr>
-            <a:spLocks noGrp="1"/>
-          </p:cNvSpPr>
-          <p:nvPr>
-            <p:ph type="title"/>
-          </p:nvPr>
-        </p:nvSpPr>
-        <p:spPr/>
-        <p:txBody>
-          <a:bodyPr/>
-          <a:lstStyle/>
-          <a:p>
-            <a:endParaRPr lang="en-US"/>
-          </a:p>
-        </p:txBody>
-      </p:sp>
       <p:pic>
         <p:nvPicPr>
           <p:cNvPr id="4" name="Content Placeholder 3"/>
@@ -3136,7 +3133,23 @@
           <a:bodyPr/>
           <a:lstStyle/>
           <a:p>
-            <a:endParaRPr lang="en-US"/>
+            <a:r>
+              <a:rPr lang="en-US" dirty="0" err="1" smtClean="0"/>
+              <a:t>Các</a:t>
+            </a:r>
+            <a:r>
+              <a:rPr lang="en-US" dirty="0" smtClean="0"/>
+              <a:t> điểm cần </a:t>
+            </a:r>
+            <a:r>
+              <a:rPr lang="en-US" dirty="0" err="1" smtClean="0"/>
+              <a:t>lưu</a:t>
+            </a:r>
+            <a:r>
+              <a:rPr lang="en-US" dirty="0" smtClean="0"/>
+              <a:t> ý</a:t>
+            </a:r>
+            <a:endParaRPr lang="en-US" dirty="0"/>
           </a:p>
         </p:txBody>
       </p:sp>
@@ -3152,53 +3165,67 @@
         </p:nvSpPr>
         <p:spPr/>
         <p:txBody>
-          <a:bodyPr/>
-          <a:lstStyle/>
-          <a:p>
+          <a:bodyPr>
+            <a:normAutofit fontScale="92500" lnSpcReduction="10000"/>
+          </a:bodyPr>
+          <a:lstStyle/>
+          <a:p>
+            <a:r>
+              <a:rPr lang="vi-VN" b="1" dirty="0" smtClean="0"/>
+              <a:t>Phương </a:t>
+            </a:r>
             <a:r>
               <a:rPr lang="vi-VN" b="1" dirty="0"/>
-              <a:t>Những hành động CRUD sử dụng những phương thức HTTP</a:t>
-            </a:r>
-          </a:p>
-          <a:p>
-            <a:r>
-              <a:rPr lang="vi-VN" dirty="0"/>
-              <a:t>GET (SELECT): Trả về một Resource hoặc một danh sách Resource.</a:t>
-            </a:r>
-          </a:p>
-          <a:p>
-            <a:r>
-              <a:rPr lang="vi-VN" dirty="0"/>
-              <a:t>POST (CREATE): Tạo mới một Resource.</a:t>
-            </a:r>
-          </a:p>
-          <a:p>
-            <a:r>
-              <a:rPr lang="vi-VN" dirty="0"/>
-              <a:t>PUT (UPDATE): Cập nhật thông tin cho Resource.</a:t>
-            </a:r>
-          </a:p>
-          <a:p>
-            <a:r>
-              <a:rPr lang="vi-VN" dirty="0"/>
-              <a:t>PATCH (UPDATE): Cập nhật một thành phần, thuộc tính của Resouce.</a:t>
-            </a:r>
-          </a:p>
-          <a:p>
-            <a:r>
-              <a:rPr lang="vi-VN" dirty="0"/>
-              <a:t>DELETE (DELETE): Xoá một Resource.</a:t>
-            </a:r>
-          </a:p>
-          <a:p>
-            <a:endParaRPr lang="en-US" dirty="0"/>
+              <a:t>thức truy cập</a:t>
+            </a:r>
+          </a:p>
+          <a:p>
+            <a:r>
+              <a:rPr lang="vi-VN" dirty="0"/>
+              <a:t>Đối với các Web app, ta có 4 phương thức được sử dụng để truy cập RESTful API</a:t>
+            </a:r>
+          </a:p>
+          <a:p>
+            <a:r>
+              <a:rPr lang="vi-VN" dirty="0"/>
+              <a:t>GET để lấy về 1 đối tượng</a:t>
+            </a:r>
+          </a:p>
+          <a:p>
+            <a:r>
+              <a:rPr lang="vi-VN" dirty="0"/>
+              <a:t>POST để tạo ra đối tượng mới</a:t>
+            </a:r>
+          </a:p>
+          <a:p>
+            <a:r>
+              <a:rPr lang="vi-VN" dirty="0"/>
+              <a:t>PUT để sửa đổi hoặc thay thế đối tượng</a:t>
+            </a:r>
+          </a:p>
+          <a:p>
+            <a:r>
+              <a:rPr lang="vi-VN" dirty="0"/>
+              <a:t>DELETE để xoá đi đối tượng</a:t>
+            </a:r>
+          </a:p>
+          <a:p>
+            <a:r>
+              <a:rPr lang="vi-VN" dirty="0"/>
+              <a:t>Các phương thức trên sẽ được truyền lên server thông qua API call. Hầu hết các hệ thống để chỉ cho phép sử dụng GET request để lấy dữ liệu từ server</a:t>
+            </a:r>
+            <a:r>
+              <a:rPr lang="vi-VN" dirty="0" smtClean="0"/>
+              <a:t>.</a:t>
+            </a:r>
+            <a:endParaRPr lang="vi-VN" dirty="0"/>
           </a:p>
         </p:txBody>
       </p:sp>
     </p:spTree>
     <p:extLst>
       <p:ext uri="{BB962C8B-B14F-4D97-AF65-F5344CB8AC3E}">
-        <p14:creationId xmlns:p14="http://schemas.microsoft.com/office/powerpoint/2010/main" val="1488312629"/>
+        <p14:creationId xmlns:p14="http://schemas.microsoft.com/office/powerpoint/2010/main" val="4224991856"/>
       </p:ext>
     </p:extLst>
   </p:cSld>
@@ -3237,24 +3264,461 @@
         </p:nvSpPr>
         <p:spPr>
           <a:xfrm>
+            <a:off x="838200" y="874059"/>
+            <a:ext cx="10515600" cy="5302904"/>
+          </a:xfrm>
+        </p:spPr>
+        <p:txBody>
+          <a:bodyPr/>
+          <a:lstStyle/>
+          <a:p>
+            <a:pPr marL="0" indent="0">
+              <a:buNone/>
+            </a:pPr>
+            <a:endParaRPr lang="en-US" b="1" dirty="0" smtClean="0"/>
+          </a:p>
+          <a:p>
+            <a:pPr marL="0" indent="0">
+              <a:buNone/>
+            </a:pPr>
+            <a:r>
+              <a:rPr lang="vi-VN" b="1" dirty="0" smtClean="0"/>
+              <a:t>Authentication</a:t>
+            </a:r>
+            <a:endParaRPr lang="vi-VN" b="1" dirty="0"/>
+          </a:p>
+          <a:p>
+            <a:r>
+              <a:rPr lang="vi-VN" dirty="0"/>
+              <a:t>Authentication thì mặc định là không bắt buộc, nhưng bạn nên cài đặt đối với các request liên quan tới POST/PUT/DELETE. Đối với 1 số dịch vụ nhiều người dùng như Twitter, họ bắt buộc authentication đối với </a:t>
+            </a:r>
+            <a:r>
+              <a:rPr lang="vi-VN" dirty="0">
+                <a:hlinkClick r:id="rId2"/>
+              </a:rPr>
+              <a:t>tất cả</a:t>
+            </a:r>
+            <a:r>
+              <a:rPr lang="vi-VN" dirty="0"/>
+              <a:t> các endpoint để tránh việc sử dụng sai mục đích.</a:t>
+            </a:r>
+          </a:p>
+          <a:p>
+            <a:pPr marL="0" indent="0">
+              <a:buNone/>
+            </a:pPr>
+            <a:r>
+              <a:rPr lang="vi-VN" b="1" dirty="0"/>
+              <a:t>Return type</a:t>
+            </a:r>
+          </a:p>
+          <a:p>
+            <a:r>
+              <a:rPr lang="vi-VN" dirty="0"/>
+              <a:t>Dữ liệu trả về (return type) thường là kiểu JSON.  Ngoài ra XML cũng là 1 lựa chọn không tệ.</a:t>
+            </a:r>
+            <a:endParaRPr lang="vi-VN" dirty="0"/>
+          </a:p>
+        </p:txBody>
+      </p:sp>
+    </p:spTree>
+    <p:extLst>
+      <p:ext uri="{BB962C8B-B14F-4D97-AF65-F5344CB8AC3E}">
+        <p14:creationId xmlns:p14="http://schemas.microsoft.com/office/powerpoint/2010/main" val="1301277132"/>
+      </p:ext>
+    </p:extLst>
+  </p:cSld>
+  <p:clrMapOvr>
+    <a:masterClrMapping/>
+  </p:clrMapOvr>
+</p:sld>
+</file>
+
+<file path=ppt/slides/slide13.xml><?xml version="1.0" encoding="utf-8"?>
+<p:sld xmlns:a="http://schemas.openxmlformats.org/drawingml/2006/main" xmlns:r="http://schemas.openxmlformats.org/officeDocument/2006/relationships" xmlns:p="http://schemas.openxmlformats.org/presentationml/2006/main">
+  <p:cSld>
+    <p:spTree>
+      <p:nvGrpSpPr>
+        <p:cNvPr id="1" name=""/>
+        <p:cNvGrpSpPr/>
+        <p:nvPr/>
+      </p:nvGrpSpPr>
+      <p:grpSpPr>
+        <a:xfrm>
+          <a:off x="0" y="0"/>
+          <a:ext cx="0" cy="0"/>
+          <a:chOff x="0" y="0"/>
+          <a:chExt cx="0" cy="0"/>
+        </a:xfrm>
+      </p:grpSpPr>
+      <p:sp>
+        <p:nvSpPr>
+          <p:cNvPr id="3" name="Content Placeholder 2"/>
+          <p:cNvSpPr>
+            <a:spLocks noGrp="1"/>
+          </p:cNvSpPr>
+          <p:nvPr>
+            <p:ph idx="1"/>
+          </p:nvPr>
+        </p:nvSpPr>
+        <p:spPr>
+          <a:xfrm>
+            <a:off x="838200" y="403412"/>
+            <a:ext cx="10515600" cy="5773551"/>
+          </a:xfrm>
+        </p:spPr>
+        <p:txBody>
+          <a:bodyPr>
+            <a:normAutofit/>
+          </a:bodyPr>
+          <a:lstStyle/>
+          <a:p>
+            <a:pPr marL="0" indent="0">
+              <a:buNone/>
+            </a:pPr>
+            <a:r>
+              <a:rPr lang="vi-VN" b="1" dirty="0"/>
+              <a:t>Danh từ và Động từ</a:t>
+            </a:r>
+          </a:p>
+          <a:p>
+            <a:r>
+              <a:rPr lang="vi-VN" dirty="0"/>
+              <a:t>RESTful API sử dụng danh từ cho đối tượng, và động từ cho các hành động. Ví dụ như Flickr</a:t>
+            </a:r>
+          </a:p>
+          <a:p>
+            <a:r>
+              <a:rPr lang="vi-VN" dirty="0" smtClean="0">
+                <a:hlinkClick r:id="rId2"/>
+              </a:rPr>
+              <a:t>Flickr</a:t>
+            </a:r>
+            <a:r>
+              <a:rPr lang="en-US" dirty="0" smtClean="0">
+                <a:hlinkClick r:id="rId2"/>
+              </a:rPr>
+              <a:t>/</a:t>
+            </a:r>
+            <a:r>
+              <a:rPr lang="vi-VN" dirty="0" smtClean="0">
+                <a:hlinkClick r:id="rId2"/>
+              </a:rPr>
+              <a:t>photos</a:t>
+            </a:r>
+            <a:r>
+              <a:rPr lang="en-US" dirty="0" smtClean="0">
+                <a:hlinkClick r:id="rId2"/>
+              </a:rPr>
+              <a:t>/</a:t>
+            </a:r>
+            <a:r>
+              <a:rPr lang="vi-VN" dirty="0" smtClean="0">
+                <a:hlinkClick r:id="rId2"/>
+              </a:rPr>
+              <a:t>addTags</a:t>
+            </a:r>
+            <a:r>
+              <a:rPr lang="vi-VN" dirty="0"/>
+              <a:t> –&gt; Thêm tag vào bức ảnh</a:t>
+            </a:r>
+          </a:p>
+          <a:p>
+            <a:r>
+              <a:rPr lang="vi-VN" dirty="0" smtClean="0">
+                <a:hlinkClick r:id="rId3"/>
+              </a:rPr>
+              <a:t>Flickr</a:t>
+            </a:r>
+            <a:r>
+              <a:rPr lang="en-US" dirty="0" smtClean="0">
+                <a:hlinkClick r:id="rId3"/>
+              </a:rPr>
+              <a:t>/</a:t>
+            </a:r>
+            <a:r>
+              <a:rPr lang="vi-VN" dirty="0" smtClean="0">
+                <a:hlinkClick r:id="rId3"/>
+              </a:rPr>
+              <a:t>photos</a:t>
+            </a:r>
+            <a:r>
+              <a:rPr lang="en-US" dirty="0" smtClean="0">
+                <a:hlinkClick r:id="rId3"/>
+              </a:rPr>
+              <a:t>/</a:t>
+            </a:r>
+            <a:r>
+              <a:rPr lang="vi-VN" dirty="0" smtClean="0">
+                <a:hlinkClick r:id="rId3"/>
+              </a:rPr>
+              <a:t>comments</a:t>
+            </a:r>
+            <a:r>
+              <a:rPr lang="en-US" dirty="0" smtClean="0">
+                <a:hlinkClick r:id="rId3"/>
+              </a:rPr>
+              <a:t>/</a:t>
+            </a:r>
+            <a:r>
+              <a:rPr lang="vi-VN" dirty="0" smtClean="0">
+                <a:hlinkClick r:id="rId3"/>
+              </a:rPr>
+              <a:t>addComment</a:t>
+            </a:r>
+            <a:r>
+              <a:rPr lang="vi-VN" dirty="0"/>
+              <a:t> –&gt; Thêm comment vào bức ảnh</a:t>
+            </a:r>
+          </a:p>
+          <a:p>
+            <a:pPr marL="0" indent="0">
+              <a:buNone/>
+            </a:pPr>
+            <a:r>
+              <a:rPr lang="vi-VN" b="1" dirty="0"/>
+              <a:t>API Rate Limit</a:t>
+            </a:r>
+          </a:p>
+          <a:p>
+            <a:r>
+              <a:rPr lang="vi-VN" dirty="0"/>
+              <a:t>Là giới hạn số lần request tới API server. Số lần giới hạn này có thể được tính trên user, application hoặc cụ thể hơn là trên 1 token. Mục đích của con số này nhằm để hạn chế việc lạm dụng API, hoặc 1 hướng khác là nhằm thu phí sử dụng dịch vụ. Ví dụ như Google Maps API, hoàn toàn free nhưng nếu bạn muốn request nhiều hơn thì cần trả thêm tiền</a:t>
+            </a:r>
+            <a:r>
+              <a:rPr lang="vi-VN" dirty="0" smtClean="0"/>
+              <a:t>.</a:t>
+            </a:r>
+            <a:endParaRPr lang="vi-VN" dirty="0"/>
+          </a:p>
+        </p:txBody>
+      </p:sp>
+    </p:spTree>
+    <p:extLst>
+      <p:ext uri="{BB962C8B-B14F-4D97-AF65-F5344CB8AC3E}">
+        <p14:creationId xmlns:p14="http://schemas.microsoft.com/office/powerpoint/2010/main" val="208693542"/>
+      </p:ext>
+    </p:extLst>
+  </p:cSld>
+  <p:clrMapOvr>
+    <a:masterClrMapping/>
+  </p:clrMapOvr>
+</p:sld>
+</file>
+
+<file path=ppt/slides/slide14.xml><?xml version="1.0" encoding="utf-8"?>
+<p:sld xmlns:a="http://schemas.openxmlformats.org/drawingml/2006/main" xmlns:r="http://schemas.openxmlformats.org/officeDocument/2006/relationships" xmlns:p="http://schemas.openxmlformats.org/presentationml/2006/main">
+  <p:cSld>
+    <p:spTree>
+      <p:nvGrpSpPr>
+        <p:cNvPr id="1" name=""/>
+        <p:cNvGrpSpPr/>
+        <p:nvPr/>
+      </p:nvGrpSpPr>
+      <p:grpSpPr>
+        <a:xfrm>
+          <a:off x="0" y="0"/>
+          <a:ext cx="0" cy="0"/>
+          <a:chOff x="0" y="0"/>
+          <a:chExt cx="0" cy="0"/>
+        </a:xfrm>
+      </p:grpSpPr>
+      <p:sp>
+        <p:nvSpPr>
+          <p:cNvPr id="3" name="Content Placeholder 2"/>
+          <p:cNvSpPr>
+            <a:spLocks noGrp="1"/>
+          </p:cNvSpPr>
+          <p:nvPr>
+            <p:ph idx="1"/>
+          </p:nvPr>
+        </p:nvSpPr>
+        <p:spPr>
+          <a:xfrm>
+            <a:off x="838200" y="753035"/>
+            <a:ext cx="10515600" cy="5423928"/>
+          </a:xfrm>
+        </p:spPr>
+        <p:txBody>
+          <a:bodyPr/>
+          <a:lstStyle/>
+          <a:p>
+            <a:r>
+              <a:rPr lang="vi-VN" b="1" dirty="0"/>
+              <a:t>URL Endpoint</a:t>
+            </a:r>
+          </a:p>
+          <a:p>
+            <a:r>
+              <a:rPr lang="vi-VN" dirty="0"/>
+              <a:t>URL Endpoint là URL để client gửi request lên server. Thông thường endpoint sẽ đánh version bằng những cụm như /v2/ hoặc /2.0/. Ví dụ như API search của Twitter có dạng: </a:t>
+            </a:r>
+            <a:r>
+              <a:rPr lang="vi-VN" dirty="0">
+                <a:hlinkClick r:id="rId2"/>
+              </a:rPr>
+              <a:t>https://api.twitter.com/1.1/search/tweets.json?q=%40twitterapi</a:t>
+            </a:r>
+            <a:r>
+              <a:rPr lang="vi-VN" dirty="0"/>
+              <a:t>. Bạn cần lưu ý rằng với cùng 1 endpoint, nếu phương thức request (GET/DELETE..) khác nhau vẫn có thể trả về các kết quả khác nhau</a:t>
+            </a:r>
+            <a:endParaRPr lang="vi-VN" dirty="0"/>
+          </a:p>
+        </p:txBody>
+      </p:sp>
+    </p:spTree>
+    <p:extLst>
+      <p:ext uri="{BB962C8B-B14F-4D97-AF65-F5344CB8AC3E}">
+        <p14:creationId xmlns:p14="http://schemas.microsoft.com/office/powerpoint/2010/main" val="1488312629"/>
+      </p:ext>
+    </p:extLst>
+  </p:cSld>
+  <p:clrMapOvr>
+    <a:masterClrMapping/>
+  </p:clrMapOvr>
+</p:sld>
+</file>
+
+<file path=ppt/slides/slide15.xml><?xml version="1.0" encoding="utf-8"?>
+<p:sld xmlns:a="http://schemas.openxmlformats.org/drawingml/2006/main" xmlns:r="http://schemas.openxmlformats.org/officeDocument/2006/relationships" xmlns:p="http://schemas.openxmlformats.org/presentationml/2006/main">
+  <p:cSld>
+    <p:spTree>
+      <p:nvGrpSpPr>
+        <p:cNvPr id="1" name=""/>
+        <p:cNvGrpSpPr/>
+        <p:nvPr/>
+      </p:nvGrpSpPr>
+      <p:grpSpPr>
+        <a:xfrm>
+          <a:off x="0" y="0"/>
+          <a:ext cx="0" cy="0"/>
+          <a:chOff x="0" y="0"/>
+          <a:chExt cx="0" cy="0"/>
+        </a:xfrm>
+      </p:grpSpPr>
+      <p:sp>
+        <p:nvSpPr>
+          <p:cNvPr id="3" name="Content Placeholder 2"/>
+          <p:cNvSpPr>
+            <a:spLocks noGrp="1"/>
+          </p:cNvSpPr>
+          <p:nvPr>
+            <p:ph idx="1"/>
+          </p:nvPr>
+        </p:nvSpPr>
+        <p:spPr>
+          <a:xfrm>
+            <a:off x="838200" y="457200"/>
+            <a:ext cx="10515600" cy="5719763"/>
+          </a:xfrm>
+        </p:spPr>
+        <p:txBody>
+          <a:bodyPr>
+            <a:normAutofit/>
+          </a:bodyPr>
+          <a:lstStyle/>
+          <a:p>
+            <a:pPr marL="0" indent="0">
+              <a:buNone/>
+            </a:pPr>
+            <a:r>
+              <a:rPr lang="vi-VN" dirty="0"/>
+              <a:t>Xử lý lỗi với status code: Như trên đã nói về việc REST có HTTP như giao thức chuẩn. Không hẳn lúc nào bạn cũng lấy được dữ liệu và có thể là các status code như 404 hay 500. Luôn chú ý viết cả các logic xử lý status code trong hệ thống REST nhé</a:t>
+            </a:r>
+            <a:r>
+              <a:rPr lang="vi-VN" dirty="0" smtClean="0"/>
+              <a:t>.</a:t>
+            </a:r>
+            <a:endParaRPr lang="en-US" dirty="0" smtClean="0"/>
+          </a:p>
+          <a:p>
+            <a:r>
+              <a:rPr lang="vi-VN" dirty="0" smtClean="0"/>
+              <a:t>1xx</a:t>
+            </a:r>
+            <a:r>
+              <a:rPr lang="vi-VN" dirty="0"/>
+              <a:t>: hàm ý mang thông tin.</a:t>
+            </a:r>
+          </a:p>
+          <a:p>
+            <a:r>
+              <a:rPr lang="vi-VN" dirty="0"/>
+              <a:t>2xx: hàm ý thành công</a:t>
+            </a:r>
+          </a:p>
+          <a:p>
+            <a:r>
+              <a:rPr lang="vi-VN" dirty="0"/>
+              <a:t>3xx: hàm ý điều hướng</a:t>
+            </a:r>
+          </a:p>
+          <a:p>
+            <a:r>
+              <a:rPr lang="vi-VN" dirty="0"/>
+              <a:t>4xx: hàm ý là có lỗi từ phía client side</a:t>
+            </a:r>
+          </a:p>
+          <a:p>
+            <a:r>
+              <a:rPr lang="vi-VN" dirty="0"/>
+              <a:t>5xx: hàm ý là có lỗi phía máy chủ (server)</a:t>
+            </a:r>
+          </a:p>
+        </p:txBody>
+      </p:sp>
+    </p:spTree>
+    <p:extLst>
+      <p:ext uri="{BB962C8B-B14F-4D97-AF65-F5344CB8AC3E}">
+        <p14:creationId xmlns:p14="http://schemas.microsoft.com/office/powerpoint/2010/main" val="3094012008"/>
+      </p:ext>
+    </p:extLst>
+  </p:cSld>
+  <p:clrMapOvr>
+    <a:masterClrMapping/>
+  </p:clrMapOvr>
+</p:sld>
+</file>
+
+<file path=ppt/slides/slide16.xml><?xml version="1.0" encoding="utf-8"?>
+<p:sld xmlns:a="http://schemas.openxmlformats.org/drawingml/2006/main" xmlns:r="http://schemas.openxmlformats.org/officeDocument/2006/relationships" xmlns:p="http://schemas.openxmlformats.org/presentationml/2006/main">
+  <p:cSld>
+    <p:spTree>
+      <p:nvGrpSpPr>
+        <p:cNvPr id="1" name=""/>
+        <p:cNvGrpSpPr/>
+        <p:nvPr/>
+      </p:nvGrpSpPr>
+      <p:grpSpPr>
+        <a:xfrm>
+          <a:off x="0" y="0"/>
+          <a:ext cx="0" cy="0"/>
+          <a:chOff x="0" y="0"/>
+          <a:chExt cx="0" cy="0"/>
+        </a:xfrm>
+      </p:grpSpPr>
+      <p:sp>
+        <p:nvSpPr>
+          <p:cNvPr id="3" name="Content Placeholder 2"/>
+          <p:cNvSpPr>
+            <a:spLocks noGrp="1"/>
+          </p:cNvSpPr>
+          <p:nvPr>
+            <p:ph idx="1"/>
+          </p:nvPr>
+        </p:nvSpPr>
+        <p:spPr>
+          <a:xfrm>
             <a:off x="838200" y="261257"/>
             <a:ext cx="10515600" cy="5915706"/>
           </a:xfrm>
         </p:spPr>
         <p:txBody>
           <a:bodyPr>
-            <a:normAutofit fontScale="70000" lnSpcReduction="20000"/>
+            <a:normAutofit fontScale="77500" lnSpcReduction="20000"/>
           </a:bodyPr>
           <a:lstStyle/>
-          <a:p>
-            <a:pPr marL="0" indent="0">
-              <a:buNone/>
-            </a:pPr>
-            <a:r>
-              <a:rPr lang="vi-VN" dirty="0"/>
-              <a:t>Xử lý lỗi với status code: Như trên đã nói về việc REST có HTTP như giao thức chuẩn. Không hẳn lúc nào bạn cũng lấy được dữ liệu và có thể là các status code như 404 hay 500. Luôn chú ý viết cả các logic xử lý status code trong hệ thống REST nhé.</a:t>
-            </a:r>
-          </a:p>
           <a:p>
             <a:pPr marL="0" indent="0">
               <a:buNone/>
@@ -3358,6 +3822,266 @@
     <p:extLst>
       <p:ext uri="{BB962C8B-B14F-4D97-AF65-F5344CB8AC3E}">
         <p14:creationId xmlns:p14="http://schemas.microsoft.com/office/powerpoint/2010/main" val="3807916603"/>
+      </p:ext>
+    </p:extLst>
+  </p:cSld>
+  <p:clrMapOvr>
+    <a:masterClrMapping/>
+  </p:clrMapOvr>
+</p:sld>
+</file>
+
+<file path=ppt/slides/slide17.xml><?xml version="1.0" encoding="utf-8"?>
+<p:sld xmlns:a="http://schemas.openxmlformats.org/drawingml/2006/main" xmlns:r="http://schemas.openxmlformats.org/officeDocument/2006/relationships" xmlns:p="http://schemas.openxmlformats.org/presentationml/2006/main">
+  <p:cSld>
+    <p:spTree>
+      <p:nvGrpSpPr>
+        <p:cNvPr id="1" name=""/>
+        <p:cNvGrpSpPr/>
+        <p:nvPr/>
+      </p:nvGrpSpPr>
+      <p:grpSpPr>
+        <a:xfrm>
+          <a:off x="0" y="0"/>
+          <a:ext cx="0" cy="0"/>
+          <a:chOff x="0" y="0"/>
+          <a:chExt cx="0" cy="0"/>
+        </a:xfrm>
+      </p:grpSpPr>
+      <p:sp>
+        <p:nvSpPr>
+          <p:cNvPr id="2" name="Title 1"/>
+          <p:cNvSpPr>
+            <a:spLocks noGrp="1"/>
+          </p:cNvSpPr>
+          <p:nvPr>
+            <p:ph type="title"/>
+          </p:nvPr>
+        </p:nvSpPr>
+        <p:spPr/>
+        <p:txBody>
+          <a:bodyPr/>
+          <a:lstStyle/>
+          <a:p>
+            <a:r>
+              <a:rPr lang="en-US" dirty="0" smtClean="0"/>
+              <a:t>Spring Framework</a:t>
+            </a:r>
+            <a:endParaRPr lang="en-US" dirty="0"/>
+          </a:p>
+        </p:txBody>
+      </p:sp>
+      <p:sp>
+        <p:nvSpPr>
+          <p:cNvPr id="3" name="Content Placeholder 2"/>
+          <p:cNvSpPr>
+            <a:spLocks noGrp="1"/>
+          </p:cNvSpPr>
+          <p:nvPr>
+            <p:ph idx="1"/>
+          </p:nvPr>
+        </p:nvSpPr>
+        <p:spPr/>
+        <p:txBody>
+          <a:bodyPr/>
+          <a:lstStyle/>
+          <a:p>
+            <a:r>
+              <a:rPr lang="vi-VN" dirty="0"/>
+              <a:t>Spring là một Framework phát triển các ứng dụng Java được sử dụng bởi hàng triệu lập trình viên. Nó giúp tạo các ứng dụng có hiệu năng cao, dễ kiểm thử, sử dụng lại code</a:t>
+            </a:r>
+            <a:r>
+              <a:rPr lang="vi-VN" dirty="0" smtClean="0"/>
+              <a:t>…</a:t>
+            </a:r>
+            <a:endParaRPr lang="en-US" dirty="0" smtClean="0"/>
+          </a:p>
+          <a:p>
+            <a:r>
+              <a:rPr lang="vi-VN" dirty="0"/>
+              <a:t>Spring Framework được xây dựng dựa trên 2 nguyên tắc design chính là: Dependency Injection và Aspect Oriented Programming.</a:t>
+            </a:r>
+            <a:endParaRPr lang="en-US" dirty="0"/>
+          </a:p>
+        </p:txBody>
+      </p:sp>
+    </p:spTree>
+    <p:extLst>
+      <p:ext uri="{BB962C8B-B14F-4D97-AF65-F5344CB8AC3E}">
+        <p14:creationId xmlns:p14="http://schemas.microsoft.com/office/powerpoint/2010/main" val="3538986482"/>
+      </p:ext>
+    </p:extLst>
+  </p:cSld>
+  <p:clrMapOvr>
+    <a:masterClrMapping/>
+  </p:clrMapOvr>
+</p:sld>
+</file>
+
+<file path=ppt/slides/slide18.xml><?xml version="1.0" encoding="utf-8"?>
+<p:sld xmlns:a="http://schemas.openxmlformats.org/drawingml/2006/main" xmlns:r="http://schemas.openxmlformats.org/officeDocument/2006/relationships" xmlns:p="http://schemas.openxmlformats.org/presentationml/2006/main">
+  <p:cSld>
+    <p:spTree>
+      <p:nvGrpSpPr>
+        <p:cNvPr id="1" name=""/>
+        <p:cNvGrpSpPr/>
+        <p:nvPr/>
+      </p:nvGrpSpPr>
+      <p:grpSpPr>
+        <a:xfrm>
+          <a:off x="0" y="0"/>
+          <a:ext cx="0" cy="0"/>
+          <a:chOff x="0" y="0"/>
+          <a:chExt cx="0" cy="0"/>
+        </a:xfrm>
+      </p:grpSpPr>
+      <p:pic>
+        <p:nvPicPr>
+          <p:cNvPr id="4" name="Content Placeholder 3"/>
+          <p:cNvPicPr>
+            <a:picLocks noGrp="1" noChangeAspect="1"/>
+          </p:cNvPicPr>
+          <p:nvPr>
+            <p:ph idx="1"/>
+          </p:nvPr>
+        </p:nvPicPr>
+        <p:blipFill>
+          <a:blip r:embed="rId2">
+            <a:extLst>
+              <a:ext uri="{28A0092B-C50C-407E-A947-70E740481C1C}">
+                <a14:useLocalDpi xmlns:a14="http://schemas.microsoft.com/office/drawing/2010/main" val="0"/>
+              </a:ext>
+            </a:extLst>
+          </a:blip>
+          <a:stretch>
+            <a:fillRect/>
+          </a:stretch>
+        </p:blipFill>
+        <p:spPr>
+          <a:xfrm>
+            <a:off x="1075765" y="365125"/>
+            <a:ext cx="9816353" cy="5811838"/>
+          </a:xfrm>
+        </p:spPr>
+      </p:pic>
+    </p:spTree>
+    <p:extLst>
+      <p:ext uri="{BB962C8B-B14F-4D97-AF65-F5344CB8AC3E}">
+        <p14:creationId xmlns:p14="http://schemas.microsoft.com/office/powerpoint/2010/main" val="427307866"/>
+      </p:ext>
+    </p:extLst>
+  </p:cSld>
+  <p:clrMapOvr>
+    <a:masterClrMapping/>
+  </p:clrMapOvr>
+</p:sld>
+</file>
+
+<file path=ppt/slides/slide19.xml><?xml version="1.0" encoding="utf-8"?>
+<p:sld xmlns:a="http://schemas.openxmlformats.org/drawingml/2006/main" xmlns:r="http://schemas.openxmlformats.org/officeDocument/2006/relationships" xmlns:p="http://schemas.openxmlformats.org/presentationml/2006/main">
+  <p:cSld>
+    <p:spTree>
+      <p:nvGrpSpPr>
+        <p:cNvPr id="1" name=""/>
+        <p:cNvGrpSpPr/>
+        <p:nvPr/>
+      </p:nvGrpSpPr>
+      <p:grpSpPr>
+        <a:xfrm>
+          <a:off x="0" y="0"/>
+          <a:ext cx="0" cy="0"/>
+          <a:chOff x="0" y="0"/>
+          <a:chExt cx="0" cy="0"/>
+        </a:xfrm>
+      </p:grpSpPr>
+      <p:sp>
+        <p:nvSpPr>
+          <p:cNvPr id="2" name="Title 1"/>
+          <p:cNvSpPr>
+            <a:spLocks noGrp="1"/>
+          </p:cNvSpPr>
+          <p:nvPr>
+            <p:ph type="title"/>
+          </p:nvPr>
+        </p:nvSpPr>
+        <p:spPr/>
+        <p:txBody>
+          <a:bodyPr/>
+          <a:lstStyle/>
+          <a:p>
+            <a:endParaRPr lang="en-US"/>
+          </a:p>
+        </p:txBody>
+      </p:sp>
+      <p:sp>
+        <p:nvSpPr>
+          <p:cNvPr id="3" name="Content Placeholder 2"/>
+          <p:cNvSpPr>
+            <a:spLocks noGrp="1"/>
+          </p:cNvSpPr>
+          <p:nvPr>
+            <p:ph idx="1"/>
+          </p:nvPr>
+        </p:nvSpPr>
+        <p:spPr/>
+        <p:txBody>
+          <a:bodyPr>
+            <a:normAutofit fontScale="92500" lnSpcReduction="10000"/>
+          </a:bodyPr>
+          <a:lstStyle/>
+          <a:p>
+            <a:r>
+              <a:rPr lang="vi-VN" b="1" dirty="0"/>
+              <a:t>Test</a:t>
+            </a:r>
+          </a:p>
+          <a:p>
+            <a:r>
+              <a:rPr lang="vi-VN" dirty="0"/>
+              <a:t>Tầng này cung cấp khả năng hỗ trợ kiểm thử với JUnit và TestNG.</a:t>
+            </a:r>
+          </a:p>
+          <a:p>
+            <a:r>
+              <a:rPr lang="vi-VN" b="1" dirty="0"/>
+              <a:t>Spring Core Container</a:t>
+            </a:r>
+          </a:p>
+          <a:p>
+            <a:r>
+              <a:rPr lang="vi-VN" dirty="0"/>
+              <a:t>Bao gồm các module spring core, beans, context và expression languate (EL)</a:t>
+            </a:r>
+          </a:p>
+          <a:p>
+            <a:r>
+              <a:rPr lang="vi-VN" dirty="0"/>
+              <a:t>Spring core, bean cung cấp tính năng IOC và Dependency Injection.</a:t>
+            </a:r>
+          </a:p>
+          <a:p>
+            <a:r>
+              <a:rPr lang="vi-VN" dirty="0"/>
+              <a:t>Spring Context hỗ trợ đa ngôn ngữ (internationalization), các tính năng Java EE như EJB, JMX.</a:t>
+            </a:r>
+          </a:p>
+          <a:p>
+            <a:r>
+              <a:rPr lang="vi-VN" dirty="0"/>
+              <a:t>Expression Language được mở rộng từ Expresion Language trong JSP. Nó cung cấp hỗ trợ việc setting/getting giá trị, các method cải tiến cho phép truy cập collections, index, các toán tử logic</a:t>
+            </a:r>
+            <a:r>
+              <a:rPr lang="vi-VN" dirty="0" smtClean="0"/>
+              <a:t>…</a:t>
+            </a:r>
+            <a:endParaRPr lang="vi-VN" dirty="0"/>
+          </a:p>
+        </p:txBody>
+      </p:sp>
+    </p:spTree>
+    <p:extLst>
+      <p:ext uri="{BB962C8B-B14F-4D97-AF65-F5344CB8AC3E}">
+        <p14:creationId xmlns:p14="http://schemas.microsoft.com/office/powerpoint/2010/main" val="2698867898"/>
       </p:ext>
     </p:extLst>
   </p:cSld>
@@ -3525,6 +4249,599 @@
     <p:extLst>
       <p:ext uri="{BB962C8B-B14F-4D97-AF65-F5344CB8AC3E}">
         <p14:creationId xmlns:p14="http://schemas.microsoft.com/office/powerpoint/2010/main" val="750757570"/>
+      </p:ext>
+    </p:extLst>
+  </p:cSld>
+  <p:clrMapOvr>
+    <a:masterClrMapping/>
+  </p:clrMapOvr>
+</p:sld>
+</file>
+
+<file path=ppt/slides/slide20.xml><?xml version="1.0" encoding="utf-8"?>
+<p:sld xmlns:a="http://schemas.openxmlformats.org/drawingml/2006/main" xmlns:r="http://schemas.openxmlformats.org/officeDocument/2006/relationships" xmlns:p="http://schemas.openxmlformats.org/presentationml/2006/main">
+  <p:cSld>
+    <p:spTree>
+      <p:nvGrpSpPr>
+        <p:cNvPr id="1" name=""/>
+        <p:cNvGrpSpPr/>
+        <p:nvPr/>
+      </p:nvGrpSpPr>
+      <p:grpSpPr>
+        <a:xfrm>
+          <a:off x="0" y="0"/>
+          <a:ext cx="0" cy="0"/>
+          <a:chOff x="0" y="0"/>
+          <a:chExt cx="0" cy="0"/>
+        </a:xfrm>
+      </p:grpSpPr>
+      <p:sp>
+        <p:nvSpPr>
+          <p:cNvPr id="3" name="Content Placeholder 2"/>
+          <p:cNvSpPr>
+            <a:spLocks noGrp="1"/>
+          </p:cNvSpPr>
+          <p:nvPr>
+            <p:ph idx="1"/>
+          </p:nvPr>
+        </p:nvSpPr>
+        <p:spPr>
+          <a:xfrm>
+            <a:off x="838200" y="430306"/>
+            <a:ext cx="10515600" cy="5746657"/>
+          </a:xfrm>
+        </p:spPr>
+        <p:txBody>
+          <a:bodyPr>
+            <a:normAutofit/>
+          </a:bodyPr>
+          <a:lstStyle/>
+          <a:p>
+            <a:pPr marL="0" indent="0">
+              <a:buNone/>
+            </a:pPr>
+            <a:r>
+              <a:rPr lang="vi-VN" b="1" dirty="0"/>
+              <a:t>AOP, Aspects and Instrumentation</a:t>
+            </a:r>
+          </a:p>
+          <a:p>
+            <a:r>
+              <a:rPr lang="vi-VN" dirty="0"/>
+              <a:t>Những module này hỗ trợ cài đặt lập trình hướng khía cạnh (Aspect Oriented Programming), hỗ trợ tích hợp với AspectJ.</a:t>
+            </a:r>
+          </a:p>
+          <a:p>
+            <a:pPr marL="0" indent="0">
+              <a:buNone/>
+            </a:pPr>
+            <a:r>
+              <a:rPr lang="vi-VN" b="1" dirty="0"/>
+              <a:t>Data Access / Integration</a:t>
+            </a:r>
+          </a:p>
+          <a:p>
+            <a:r>
+              <a:rPr lang="vi-VN" dirty="0"/>
+              <a:t>Nhóm này bao gồm JDBC, ORM, OXM, JMS và module Transaction. Những module này cung cấp khả năng giao tiếp với database</a:t>
+            </a:r>
+          </a:p>
+          <a:p>
+            <a:pPr marL="0" indent="0">
+              <a:buNone/>
+            </a:pPr>
+            <a:r>
+              <a:rPr lang="vi-VN" b="1" dirty="0"/>
+              <a:t>Web</a:t>
+            </a:r>
+          </a:p>
+          <a:p>
+            <a:r>
+              <a:rPr lang="vi-VN" dirty="0"/>
+              <a:t>Hay còn gọi là Spring MVC Nhóm này gồm Web, Web-Servlet… hỗ trợ việc tạo ứng dụng web.</a:t>
+            </a:r>
+            <a:endParaRPr lang="vi-VN" dirty="0"/>
+          </a:p>
+        </p:txBody>
+      </p:sp>
+    </p:spTree>
+    <p:extLst>
+      <p:ext uri="{BB962C8B-B14F-4D97-AF65-F5344CB8AC3E}">
+        <p14:creationId xmlns:p14="http://schemas.microsoft.com/office/powerpoint/2010/main" val="2418416353"/>
+      </p:ext>
+    </p:extLst>
+  </p:cSld>
+  <p:clrMapOvr>
+    <a:masterClrMapping/>
+  </p:clrMapOvr>
+</p:sld>
+</file>
+
+<file path=ppt/slides/slide21.xml><?xml version="1.0" encoding="utf-8"?>
+<p:sld xmlns:a="http://schemas.openxmlformats.org/drawingml/2006/main" xmlns:r="http://schemas.openxmlformats.org/officeDocument/2006/relationships" xmlns:p="http://schemas.openxmlformats.org/presentationml/2006/main">
+  <p:cSld>
+    <p:spTree>
+      <p:nvGrpSpPr>
+        <p:cNvPr id="1" name=""/>
+        <p:cNvGrpSpPr/>
+        <p:nvPr/>
+      </p:nvGrpSpPr>
+      <p:grpSpPr>
+        <a:xfrm>
+          <a:off x="0" y="0"/>
+          <a:ext cx="0" cy="0"/>
+          <a:chOff x="0" y="0"/>
+          <a:chExt cx="0" cy="0"/>
+        </a:xfrm>
+      </p:grpSpPr>
+      <p:sp>
+        <p:nvSpPr>
+          <p:cNvPr id="3" name="Content Placeholder 2"/>
+          <p:cNvSpPr>
+            <a:spLocks noGrp="1"/>
+          </p:cNvSpPr>
+          <p:nvPr>
+            <p:ph idx="1"/>
+          </p:nvPr>
+        </p:nvSpPr>
+        <p:spPr>
+          <a:xfrm>
+            <a:off x="838200" y="376518"/>
+            <a:ext cx="10515600" cy="5800445"/>
+          </a:xfrm>
+        </p:spPr>
+        <p:txBody>
+          <a:bodyPr>
+            <a:normAutofit fontScale="77500" lnSpcReduction="20000"/>
+          </a:bodyPr>
+          <a:lstStyle/>
+          <a:p>
+            <a:pPr marL="0" indent="0">
+              <a:buNone/>
+            </a:pPr>
+            <a:r>
+              <a:rPr lang="vi-VN" sz="5200" b="1" dirty="0"/>
+              <a:t>Một số dự án khác của Spring.</a:t>
+            </a:r>
+          </a:p>
+          <a:p>
+            <a:pPr marL="0" indent="0">
+              <a:buNone/>
+            </a:pPr>
+            <a:r>
+              <a:rPr lang="vi-VN" dirty="0"/>
+              <a:t>Cũng dựa trên các nguyên tắc thiết kế cơ bản của spring core. Spring còn phát triển nhiều project con như:</a:t>
+            </a:r>
+          </a:p>
+          <a:p>
+            <a:pPr marL="0" indent="0">
+              <a:buNone/>
+            </a:pPr>
+            <a:r>
+              <a:rPr lang="vi-VN" b="1" dirty="0"/>
+              <a:t>Spring MVC</a:t>
+            </a:r>
+          </a:p>
+          <a:p>
+            <a:r>
+              <a:rPr lang="vi-VN" dirty="0"/>
+              <a:t>Spring MVC được thiết kế dành cho việc xây dựng các ứng dụng nền tảng web.</a:t>
+            </a:r>
+          </a:p>
+          <a:p>
+            <a:pPr marL="0" indent="0">
+              <a:buNone/>
+            </a:pPr>
+            <a:r>
+              <a:rPr lang="vi-VN" b="1" dirty="0"/>
+              <a:t>Spring Security</a:t>
+            </a:r>
+          </a:p>
+          <a:p>
+            <a:r>
+              <a:rPr lang="vi-VN" dirty="0"/>
+              <a:t>Cung cấp các cơ chế xác thực (authentication) và phân quyền (authorization) cho ứng dụng của bạn.</a:t>
+            </a:r>
+          </a:p>
+          <a:p>
+            <a:pPr marL="0" indent="0">
+              <a:buNone/>
+            </a:pPr>
+            <a:r>
+              <a:rPr lang="vi-VN" b="1" dirty="0"/>
+              <a:t>Spring Boot</a:t>
+            </a:r>
+          </a:p>
+          <a:p>
+            <a:r>
+              <a:rPr lang="vi-VN" dirty="0"/>
+              <a:t>Spring Boot là một framework giúp chúng ta phát triển cũng như chạy ứng dụng một cách nhanh chóng.</a:t>
+            </a:r>
+          </a:p>
+          <a:p>
+            <a:pPr marL="0" indent="0">
+              <a:buNone/>
+            </a:pPr>
+            <a:r>
+              <a:rPr lang="vi-VN" b="1" dirty="0"/>
+              <a:t>Spring Batch</a:t>
+            </a:r>
+          </a:p>
+          <a:p>
+            <a:r>
+              <a:rPr lang="vi-VN" dirty="0"/>
+              <a:t>Dự án này giúp chúng ta dễ dàng tạo các lịch trình (scheduling) và tiến trình (processing) cho các công việc xử lý theo mẻ (batch job).</a:t>
+            </a:r>
+          </a:p>
+          <a:p>
+            <a:pPr marL="0" indent="0">
+              <a:buNone/>
+            </a:pPr>
+            <a:r>
+              <a:rPr lang="vi-VN" b="1" dirty="0"/>
+              <a:t>Spring Social</a:t>
+            </a:r>
+          </a:p>
+          <a:p>
+            <a:r>
+              <a:rPr lang="vi-VN" dirty="0"/>
+              <a:t>Dự án này sẽ kết nối ứng dụng của bạn với các API bên thứ ba của Facebook, Twitter, Linkedin … (ví dụ đăng nhập bằng facebook, google+ </a:t>
+            </a:r>
+            <a:r>
+              <a:rPr lang="vi-VN" dirty="0" smtClean="0"/>
+              <a:t>…)</a:t>
+            </a:r>
+            <a:endParaRPr lang="vi-VN" dirty="0"/>
+          </a:p>
+        </p:txBody>
+      </p:sp>
+    </p:spTree>
+    <p:extLst>
+      <p:ext uri="{BB962C8B-B14F-4D97-AF65-F5344CB8AC3E}">
+        <p14:creationId xmlns:p14="http://schemas.microsoft.com/office/powerpoint/2010/main" val="261371882"/>
+      </p:ext>
+    </p:extLst>
+  </p:cSld>
+  <p:clrMapOvr>
+    <a:masterClrMapping/>
+  </p:clrMapOvr>
+</p:sld>
+</file>
+
+<file path=ppt/slides/slide22.xml><?xml version="1.0" encoding="utf-8"?>
+<p:sld xmlns:a="http://schemas.openxmlformats.org/drawingml/2006/main" xmlns:r="http://schemas.openxmlformats.org/officeDocument/2006/relationships" xmlns:p="http://schemas.openxmlformats.org/presentationml/2006/main">
+  <p:cSld>
+    <p:spTree>
+      <p:nvGrpSpPr>
+        <p:cNvPr id="1" name=""/>
+        <p:cNvGrpSpPr/>
+        <p:nvPr/>
+      </p:nvGrpSpPr>
+      <p:grpSpPr>
+        <a:xfrm>
+          <a:off x="0" y="0"/>
+          <a:ext cx="0" cy="0"/>
+          <a:chOff x="0" y="0"/>
+          <a:chExt cx="0" cy="0"/>
+        </a:xfrm>
+      </p:grpSpPr>
+      <p:sp>
+        <p:nvSpPr>
+          <p:cNvPr id="2" name="Title 1"/>
+          <p:cNvSpPr>
+            <a:spLocks noGrp="1"/>
+          </p:cNvSpPr>
+          <p:nvPr>
+            <p:ph type="title"/>
+          </p:nvPr>
+        </p:nvSpPr>
+        <p:spPr/>
+        <p:txBody>
+          <a:bodyPr/>
+          <a:lstStyle/>
+          <a:p>
+            <a:r>
+              <a:rPr lang="en-US" dirty="0" err="1" smtClean="0"/>
+              <a:t>Mô</a:t>
+            </a:r>
+            <a:r>
+              <a:rPr lang="en-US" dirty="0" smtClean="0"/>
+              <a:t> </a:t>
+            </a:r>
+            <a:r>
+              <a:rPr lang="en-US" dirty="0" err="1" smtClean="0"/>
+              <a:t>hình</a:t>
+            </a:r>
+            <a:r>
+              <a:rPr lang="en-US" dirty="0" smtClean="0"/>
+              <a:t> MVC	</a:t>
+            </a:r>
+            <a:endParaRPr lang="en-US" dirty="0"/>
+          </a:p>
+        </p:txBody>
+      </p:sp>
+      <p:pic>
+        <p:nvPicPr>
+          <p:cNvPr id="4" name="Content Placeholder 3"/>
+          <p:cNvPicPr>
+            <a:picLocks noGrp="1" noChangeAspect="1"/>
+          </p:cNvPicPr>
+          <p:nvPr>
+            <p:ph idx="1"/>
+          </p:nvPr>
+        </p:nvPicPr>
+        <p:blipFill>
+          <a:blip r:embed="rId2">
+            <a:extLst>
+              <a:ext uri="{28A0092B-C50C-407E-A947-70E740481C1C}">
+                <a14:useLocalDpi xmlns:a14="http://schemas.microsoft.com/office/drawing/2010/main" val="0"/>
+              </a:ext>
+            </a:extLst>
+          </a:blip>
+          <a:stretch>
+            <a:fillRect/>
+          </a:stretch>
+        </p:blipFill>
+        <p:spPr>
+          <a:xfrm>
+            <a:off x="1021976" y="1506071"/>
+            <a:ext cx="8486838" cy="4670892"/>
+          </a:xfrm>
+        </p:spPr>
+      </p:pic>
+    </p:spTree>
+    <p:extLst>
+      <p:ext uri="{BB962C8B-B14F-4D97-AF65-F5344CB8AC3E}">
+        <p14:creationId xmlns:p14="http://schemas.microsoft.com/office/powerpoint/2010/main" val="429472410"/>
+      </p:ext>
+    </p:extLst>
+  </p:cSld>
+  <p:clrMapOvr>
+    <a:masterClrMapping/>
+  </p:clrMapOvr>
+</p:sld>
+</file>
+
+<file path=ppt/slides/slide23.xml><?xml version="1.0" encoding="utf-8"?>
+<p:sld xmlns:a="http://schemas.openxmlformats.org/drawingml/2006/main" xmlns:r="http://schemas.openxmlformats.org/officeDocument/2006/relationships" xmlns:p="http://schemas.openxmlformats.org/presentationml/2006/main">
+  <p:cSld>
+    <p:spTree>
+      <p:nvGrpSpPr>
+        <p:cNvPr id="1" name=""/>
+        <p:cNvGrpSpPr/>
+        <p:nvPr/>
+      </p:nvGrpSpPr>
+      <p:grpSpPr>
+        <a:xfrm>
+          <a:off x="0" y="0"/>
+          <a:ext cx="0" cy="0"/>
+          <a:chOff x="0" y="0"/>
+          <a:chExt cx="0" cy="0"/>
+        </a:xfrm>
+      </p:grpSpPr>
+      <p:sp>
+        <p:nvSpPr>
+          <p:cNvPr id="2" name="Title 1"/>
+          <p:cNvSpPr>
+            <a:spLocks noGrp="1"/>
+          </p:cNvSpPr>
+          <p:nvPr>
+            <p:ph type="title"/>
+          </p:nvPr>
+        </p:nvSpPr>
+        <p:spPr/>
+        <p:txBody>
+          <a:bodyPr/>
+          <a:lstStyle/>
+          <a:p>
+            <a:r>
+              <a:rPr lang="en-US" dirty="0" smtClean="0"/>
+              <a:t>Định </a:t>
+            </a:r>
+            <a:r>
+              <a:rPr lang="en-US" dirty="0" err="1" smtClean="0"/>
+              <a:t>nghĩa</a:t>
+            </a:r>
+            <a:endParaRPr lang="en-US" dirty="0"/>
+          </a:p>
+        </p:txBody>
+      </p:sp>
+      <p:sp>
+        <p:nvSpPr>
+          <p:cNvPr id="3" name="Content Placeholder 2"/>
+          <p:cNvSpPr>
+            <a:spLocks noGrp="1"/>
+          </p:cNvSpPr>
+          <p:nvPr>
+            <p:ph idx="1"/>
+          </p:nvPr>
+        </p:nvSpPr>
+        <p:spPr/>
+        <p:txBody>
+          <a:bodyPr/>
+          <a:lstStyle/>
+          <a:p>
+            <a:r>
+              <a:rPr lang="vi-VN" b="1" dirty="0"/>
+              <a:t>M là Model:</a:t>
+            </a:r>
+            <a:r>
+              <a:rPr lang="vi-VN" dirty="0"/>
+              <a:t> </a:t>
+            </a:r>
+            <a:r>
+              <a:rPr lang="en-US" dirty="0" err="1" smtClean="0"/>
+              <a:t>chứa</a:t>
+            </a:r>
+            <a:r>
+              <a:rPr lang="en-US" dirty="0" smtClean="0"/>
+              <a:t> </a:t>
+            </a:r>
+            <a:r>
+              <a:rPr lang="vi-VN" dirty="0" smtClean="0"/>
+              <a:t>dữ </a:t>
+            </a:r>
+            <a:r>
+              <a:rPr lang="vi-VN" dirty="0"/>
+              <a:t>liệu theo cách tin cậy và chuẩn bị dữ liệu theo lệnh của controller</a:t>
+            </a:r>
+          </a:p>
+          <a:p>
+            <a:r>
+              <a:rPr lang="vi-VN" b="1" dirty="0"/>
+              <a:t>V là View:</a:t>
+            </a:r>
+            <a:r>
+              <a:rPr lang="vi-VN" dirty="0"/>
+              <a:t> Hiển thị dữ liệu cho người dùng theo cách dễ hiểu dựa trên hành động của người dùng.</a:t>
+            </a:r>
+          </a:p>
+          <a:p>
+            <a:r>
+              <a:rPr lang="vi-VN" b="1" dirty="0"/>
+              <a:t>C là Controller:</a:t>
+            </a:r>
+            <a:r>
+              <a:rPr lang="vi-VN" dirty="0"/>
+              <a:t> Nhận </a:t>
+            </a:r>
+            <a:r>
+              <a:rPr lang="en-US" dirty="0" err="1" smtClean="0"/>
+              <a:t>yêu</a:t>
+            </a:r>
+            <a:r>
+              <a:rPr lang="en-US" dirty="0" smtClean="0"/>
+              <a:t> </a:t>
+            </a:r>
+            <a:r>
+              <a:rPr lang="en-US" dirty="0" err="1" smtClean="0"/>
+              <a:t>cầu</a:t>
+            </a:r>
+            <a:r>
+              <a:rPr lang="vi-VN" dirty="0" smtClean="0"/>
+              <a:t> </a:t>
+            </a:r>
+            <a:r>
+              <a:rPr lang="vi-VN" dirty="0"/>
+              <a:t>từ người dùng, </a:t>
+            </a:r>
+            <a:r>
+              <a:rPr lang="en-US" dirty="0" err="1" smtClean="0"/>
+              <a:t>chuẩn</a:t>
+            </a:r>
+            <a:r>
+              <a:rPr lang="en-US" dirty="0" smtClean="0"/>
+              <a:t> bị dữ liệu lấy </a:t>
+            </a:r>
+            <a:r>
+              <a:rPr lang="en-US" dirty="0" err="1" smtClean="0"/>
+              <a:t>từ</a:t>
+            </a:r>
+            <a:r>
+              <a:rPr lang="en-US" dirty="0" smtClean="0"/>
+              <a:t> Model </a:t>
+            </a:r>
+            <a:r>
+              <a:rPr lang="en-US" dirty="0" err="1" smtClean="0"/>
+              <a:t>và</a:t>
+            </a:r>
+            <a:r>
+              <a:rPr lang="en-US" dirty="0" smtClean="0"/>
+              <a:t> </a:t>
+            </a:r>
+            <a:r>
+              <a:rPr lang="en-US" dirty="0" err="1" smtClean="0"/>
+              <a:t>truyền</a:t>
+            </a:r>
+            <a:r>
+              <a:rPr lang="en-US" dirty="0" smtClean="0"/>
+              <a:t> </a:t>
+            </a:r>
+            <a:r>
+              <a:rPr lang="vi-VN" dirty="0" smtClean="0"/>
+              <a:t>đến </a:t>
+            </a:r>
+            <a:r>
+              <a:rPr lang="vi-VN" dirty="0"/>
+              <a:t>View để cập nhập giao diện hiển thị</a:t>
+            </a:r>
+            <a:r>
+              <a:rPr lang="vi-VN" dirty="0" smtClean="0"/>
+              <a:t>.</a:t>
+            </a:r>
+            <a:endParaRPr lang="en-US" dirty="0" smtClean="0"/>
+          </a:p>
+          <a:p>
+            <a:endParaRPr lang="en-US" dirty="0"/>
+          </a:p>
+          <a:p>
+            <a:pPr marL="0" indent="0">
+              <a:buNone/>
+            </a:pPr>
+            <a:r>
+              <a:rPr lang="en-US" dirty="0" err="1" smtClean="0"/>
+              <a:t>Ví</a:t>
+            </a:r>
+            <a:r>
+              <a:rPr lang="en-US" dirty="0" smtClean="0"/>
+              <a:t> </a:t>
+            </a:r>
+            <a:r>
+              <a:rPr lang="en-US" dirty="0" err="1" smtClean="0"/>
+              <a:t>dụ</a:t>
+            </a:r>
+            <a:r>
+              <a:rPr lang="en-US" dirty="0" smtClean="0"/>
+              <a:t> </a:t>
+            </a:r>
+            <a:r>
+              <a:rPr lang="en-US" dirty="0" err="1" smtClean="0"/>
+              <a:t>vận</a:t>
+            </a:r>
+            <a:r>
+              <a:rPr lang="en-US" dirty="0" smtClean="0"/>
+              <a:t> </a:t>
+            </a:r>
+            <a:r>
+              <a:rPr lang="en-US" dirty="0" err="1" smtClean="0"/>
+              <a:t>chuyển</a:t>
+            </a:r>
+            <a:r>
+              <a:rPr lang="en-US" dirty="0" smtClean="0"/>
+              <a:t> </a:t>
+            </a:r>
+            <a:r>
+              <a:rPr lang="en-US" dirty="0" err="1" smtClean="0"/>
+              <a:t>thức</a:t>
+            </a:r>
+            <a:r>
+              <a:rPr lang="en-US" dirty="0" smtClean="0"/>
+              <a:t> ăn </a:t>
+            </a:r>
+            <a:r>
+              <a:rPr lang="en-US" dirty="0" err="1" smtClean="0"/>
+              <a:t>cho</a:t>
+            </a:r>
+            <a:r>
+              <a:rPr lang="en-US" dirty="0" smtClean="0"/>
+              <a:t> “</a:t>
+            </a:r>
+            <a:r>
+              <a:rPr lang="en-US" dirty="0" err="1" smtClean="0"/>
+              <a:t>chim</a:t>
+            </a:r>
+            <a:r>
+              <a:rPr lang="en-US" dirty="0" smtClean="0"/>
+              <a:t>” ?</a:t>
+            </a:r>
+            <a:endParaRPr lang="vi-VN" dirty="0"/>
+          </a:p>
+        </p:txBody>
+      </p:sp>
+    </p:spTree>
+    <p:extLst>
+      <p:ext uri="{BB962C8B-B14F-4D97-AF65-F5344CB8AC3E}">
+        <p14:creationId xmlns:p14="http://schemas.microsoft.com/office/powerpoint/2010/main" val="4216099047"/>
       </p:ext>
     </p:extLst>
   </p:cSld>
@@ -3893,7 +5210,7 @@
         <p:spPr/>
         <p:txBody>
           <a:bodyPr>
-            <a:normAutofit fontScale="77500" lnSpcReduction="20000"/>
+            <a:normAutofit fontScale="92500" lnSpcReduction="20000"/>
           </a:bodyPr>
           <a:lstStyle/>
           <a:p>
@@ -3992,8 +5309,16 @@
           </a:p>
           <a:p>
             <a:r>
-              <a:rPr lang="vi-VN" dirty="0"/>
-              <a:t>Hiểu đơn giản nó là một bộ các ràng buộc và quy ước , khi áp dụng đầy đủ vào hệ thống của bạn thì ta có 1 hệ thống REST</a:t>
+              <a:rPr lang="en-US" dirty="0" smtClean="0"/>
+              <a:t>L</a:t>
+            </a:r>
+            <a:r>
+              <a:rPr lang="vi-VN" dirty="0" smtClean="0"/>
+              <a:t>à </a:t>
+            </a:r>
+            <a:r>
+              <a:rPr lang="vi-VN" dirty="0"/>
+              <a:t>một bộ các ràng buộc và quy ước , khi áp dụng đầy đủ vào hệ thống của bạn thì ta có 1 hệ thống REST</a:t>
             </a:r>
             <a:r>
               <a:rPr lang="vi-VN" dirty="0" smtClean="0"/>
@@ -4261,29 +5586,12 @@
             </a:r>
             <a:r>
               <a:rPr lang="vi-VN" dirty="0"/>
-              <a:t>(phi trạng thái). Đơn giản server và client không lưu trạng thái của nhau -&gt; mỗi request lên server thì client phải đóng gói thông tin đầy đủ để thằng server hiểu được. Điều này giúp hệ thống của bạn dễ phát triển,bảo trì, mở rộng vì không cần tốn công CRUD trạng thái của client . Hệ thống phát triển theo hướng này có ưu điểm nhưng cũng có khuyết điểm là gia tăng lượng thông tin cần truyền tải giữa client và server</a:t>
+              <a:t>(phi trạng thái). Đơn giản server và client không lưu trạng thái của nhau -&gt; mỗi request lên server thì client phải đóng gói thông tin đầy đủ để thằng server hiểu được. Điều này giúp hệ thống của bạn dễ phát triển,bảo trì, mở rộng vì không cần tốn công CRUD trạng thái của client . Hệ thống phát triển theo hướng này có ưu điểm nhưng cũng có khuyết điểm là gia tăng lượng thông tin </a:t>
             </a:r>
             <a:r>
               <a:rPr lang="vi-VN" dirty="0" smtClean="0"/>
-              <a:t>.</a:t>
-            </a:r>
-          </a:p>
-          <a:p>
-            <a:pPr>
-              <a:buFontTx/>
-              <a:buChar char="-"/>
-            </a:pPr>
-            <a:r>
-              <a:rPr lang="vi-VN" dirty="0"/>
-              <a:t>Khả năng caching : Các response có thể lấy ra từ cache. Bằng cách cache các response , server giảm tải việc xử lý request, còn client cũng nhận được thông tin nhanh hơn. Ở đây ta đặt 1 thằng cache vào giữa : client- cache- server.</a:t>
-            </a:r>
-          </a:p>
-          <a:p>
-            <a:pPr>
-              <a:buFontTx/>
-              <a:buChar char="-"/>
-            </a:pPr>
-            <a:endParaRPr lang="vi-VN" dirty="0"/>
+              <a:t>cần truyền tải giữa client và server.</a:t>
+            </a:r>
           </a:p>
           <a:p>
             <a:pPr marL="0" indent="0">
@@ -4343,12 +5651,41 @@
           </a:xfrm>
         </p:spPr>
         <p:txBody>
-          <a:bodyPr/>
-          <a:lstStyle/>
-          <a:p>
-            <a:r>
-              <a:rPr lang="vi-VN" dirty="0"/>
-              <a:t>Chuẩn hóa các interface : Đây là một trong những đặc tính quan trọng của hệ thống REST. Bằng cách tạo ra các quy ước chuẩn để giao tiếp giữa các thành phần trong hệ thống, bạn đã đơn giản hóa việc client có thể tương tác với </a:t>
+          <a:bodyPr>
+            <a:normAutofit fontScale="92500" lnSpcReduction="10000"/>
+          </a:bodyPr>
+          <a:lstStyle/>
+          <a:p>
+            <a:pPr>
+              <a:buFontTx/>
+              <a:buChar char="-"/>
+            </a:pPr>
+            <a:endParaRPr lang="vi-VN" dirty="0"/>
+          </a:p>
+          <a:p>
+            <a:pPr>
+              <a:buFontTx/>
+              <a:buChar char="-"/>
+            </a:pPr>
+            <a:r>
+              <a:rPr lang="vi-VN" dirty="0"/>
+              <a:t>Khả năng caching : Các response có thể lấy ra từ cache. Bằng cách cache các response , server giảm tải việc xử lý request, còn client cũng nhận được thông tin nhanh hơn. Ở đây ta đặt 1 thằng cache vào giữa : client- cache- server.</a:t>
+            </a:r>
+          </a:p>
+          <a:p>
+            <a:endParaRPr lang="en-US" dirty="0" smtClean="0"/>
+          </a:p>
+          <a:p>
+            <a:endParaRPr lang="en-US" dirty="0" smtClean="0"/>
+          </a:p>
+          <a:p>
+            <a:r>
+              <a:rPr lang="vi-VN" dirty="0" smtClean="0"/>
+              <a:t>Chuẩn </a:t>
+            </a:r>
+            <a:r>
+              <a:rPr lang="vi-VN" dirty="0"/>
+              <a:t>hóa các interface : Đây là một trong những đặc tính quan trọng của hệ thống REST. Bằng cách tạo ra các quy ước chuẩn để giao tiếp giữa các thành phần trong hệ thống, bạn đã đơn giản hóa việc client có thể tương tác với </a:t>
             </a:r>
             <a:r>
               <a:rPr lang="vi-VN" dirty="0" smtClean="0"/>
@@ -4544,11 +5881,7 @@
             </a:r>
             <a:r>
               <a:rPr lang="vi-VN" b="1" dirty="0" smtClean="0"/>
-              <a:t>tạo thuận lợi cho sự tương tác giữa hai máy qua mạng. Còn API có thể </a:t>
-            </a:r>
-            <a:r>
-              <a:rPr lang="vi-VN" b="1" dirty="0" smtClean="0"/>
-              <a:t>sử dụng bất kỳ phương tiện giao tiếp nào để bắt đầu tương tác giữa các ứng dụng</a:t>
+              <a:t>tạo thuận lợi cho sự tương tác giữa hai máy qua mạng. Còn API có thể sử dụng bất kỳ phương tiện giao tiếp nào để bắt đầu tương tác giữa các ứng dụng</a:t>
             </a:r>
             <a:endParaRPr lang="en-US" b="1" dirty="0"/>
           </a:p>
